--- a/homeworks/hw1/ml-2024fall-hw1-slide.pptx
+++ b/homeworks/hw1/ml-2024fall-hw1-slide.pptx
@@ -297,7 +297,7 @@
       </p15:sldGuideLst>
     </p:ext>
     <p:ext uri="GoogleSlidesCustomDataVersion2">
-      <go:slidesCustomData xmlns:go="http://customooxmlschemas.google.com/" r:id="rId39" roundtripDataSignature="AMtx7mhTapJlbLgoFkzVdGB30skM/K5otA=="/>
+      <go:slidesCustomData xmlns:go="http://customooxmlschemas.google.com/" r:id="rId39" roundtripDataSignature="AMtx7mg9bcK+zWO0/skfsyKH94F3IfnmlA=="/>
     </p:ext>
   </p:extLst>
 </p:presentation>
@@ -2514,7 +2514,7 @@
   <p:cSld>
     <p:spTree>
       <p:nvGrpSpPr>
-        <p:cNvPr id="220" name="Shape 220"/>
+        <p:cNvPr id="219" name="Shape 219"/>
         <p:cNvGrpSpPr/>
         <p:nvPr/>
       </p:nvGrpSpPr>
@@ -2528,7 +2528,7 @@
       </p:grpSpPr>
       <p:sp>
         <p:nvSpPr>
-          <p:cNvPr id="221" name="Google Shape;221;p22:notes"/>
+          <p:cNvPr id="220" name="Google Shape;220;p22:notes"/>
           <p:cNvSpPr/>
           <p:nvPr>
             <p:ph idx="2" type="sldImg"/>
@@ -2573,7 +2573,7 @@
       </p:sp>
       <p:sp>
         <p:nvSpPr>
-          <p:cNvPr id="222" name="Google Shape;222;p22:notes"/>
+          <p:cNvPr id="221" name="Google Shape;221;p22:notes"/>
           <p:cNvSpPr txBox="1"/>
           <p:nvPr>
             <p:ph idx="1" type="body"/>
@@ -2631,7 +2631,7 @@
   <p:cSld>
     <p:spTree>
       <p:nvGrpSpPr>
-        <p:cNvPr id="226" name="Shape 226"/>
+        <p:cNvPr id="225" name="Shape 225"/>
         <p:cNvGrpSpPr/>
         <p:nvPr/>
       </p:nvGrpSpPr>
@@ -2645,7 +2645,7 @@
       </p:grpSpPr>
       <p:sp>
         <p:nvSpPr>
-          <p:cNvPr id="227" name="Google Shape;227;p23:notes"/>
+          <p:cNvPr id="226" name="Google Shape;226;p23:notes"/>
           <p:cNvSpPr/>
           <p:nvPr>
             <p:ph idx="2" type="sldImg"/>
@@ -2690,7 +2690,7 @@
       </p:sp>
       <p:sp>
         <p:nvSpPr>
-          <p:cNvPr id="228" name="Google Shape;228;p23:notes"/>
+          <p:cNvPr id="227" name="Google Shape;227;p23:notes"/>
           <p:cNvSpPr txBox="1"/>
           <p:nvPr>
             <p:ph idx="1" type="body"/>
@@ -2748,7 +2748,7 @@
   <p:cSld>
     <p:spTree>
       <p:nvGrpSpPr>
-        <p:cNvPr id="233" name="Shape 233"/>
+        <p:cNvPr id="232" name="Shape 232"/>
         <p:cNvGrpSpPr/>
         <p:nvPr/>
       </p:nvGrpSpPr>
@@ -2762,7 +2762,7 @@
       </p:grpSpPr>
       <p:sp>
         <p:nvSpPr>
-          <p:cNvPr id="234" name="Google Shape;234;p24:notes"/>
+          <p:cNvPr id="233" name="Google Shape;233;p24:notes"/>
           <p:cNvSpPr/>
           <p:nvPr>
             <p:ph idx="2" type="sldImg"/>
@@ -2807,7 +2807,7 @@
       </p:sp>
       <p:sp>
         <p:nvSpPr>
-          <p:cNvPr id="235" name="Google Shape;235;p24:notes"/>
+          <p:cNvPr id="234" name="Google Shape;234;p24:notes"/>
           <p:cNvSpPr txBox="1"/>
           <p:nvPr>
             <p:ph idx="1" type="body"/>
@@ -2865,7 +2865,7 @@
   <p:cSld>
     <p:spTree>
       <p:nvGrpSpPr>
-        <p:cNvPr id="239" name="Shape 239"/>
+        <p:cNvPr id="238" name="Shape 238"/>
         <p:cNvGrpSpPr/>
         <p:nvPr/>
       </p:nvGrpSpPr>
@@ -2879,7 +2879,7 @@
       </p:grpSpPr>
       <p:sp>
         <p:nvSpPr>
-          <p:cNvPr id="240" name="Google Shape;240;p25:notes"/>
+          <p:cNvPr id="239" name="Google Shape;239;p25:notes"/>
           <p:cNvSpPr/>
           <p:nvPr>
             <p:ph idx="2" type="sldImg"/>
@@ -2924,7 +2924,7 @@
       </p:sp>
       <p:sp>
         <p:nvSpPr>
-          <p:cNvPr id="241" name="Google Shape;241;p25:notes"/>
+          <p:cNvPr id="240" name="Google Shape;240;p25:notes"/>
           <p:cNvSpPr txBox="1"/>
           <p:nvPr>
             <p:ph idx="1" type="body"/>
@@ -2982,7 +2982,7 @@
   <p:cSld>
     <p:spTree>
       <p:nvGrpSpPr>
-        <p:cNvPr id="246" name="Shape 246"/>
+        <p:cNvPr id="245" name="Shape 245"/>
         <p:cNvGrpSpPr/>
         <p:nvPr/>
       </p:nvGrpSpPr>
@@ -2996,7 +2996,7 @@
       </p:grpSpPr>
       <p:sp>
         <p:nvSpPr>
-          <p:cNvPr id="247" name="Google Shape;247;p26:notes"/>
+          <p:cNvPr id="246" name="Google Shape;246;p26:notes"/>
           <p:cNvSpPr/>
           <p:nvPr>
             <p:ph idx="2" type="sldImg"/>
@@ -3041,7 +3041,7 @@
       </p:sp>
       <p:sp>
         <p:nvSpPr>
-          <p:cNvPr id="248" name="Google Shape;248;p26:notes"/>
+          <p:cNvPr id="247" name="Google Shape;247;p26:notes"/>
           <p:cNvSpPr txBox="1"/>
           <p:nvPr>
             <p:ph idx="1" type="body"/>
@@ -3099,7 +3099,7 @@
   <p:cSld>
     <p:spTree>
       <p:nvGrpSpPr>
-        <p:cNvPr id="252" name="Shape 252"/>
+        <p:cNvPr id="251" name="Shape 251"/>
         <p:cNvGrpSpPr/>
         <p:nvPr/>
       </p:nvGrpSpPr>
@@ -3113,7 +3113,7 @@
       </p:grpSpPr>
       <p:sp>
         <p:nvSpPr>
-          <p:cNvPr id="253" name="Google Shape;253;p27:notes"/>
+          <p:cNvPr id="252" name="Google Shape;252;p27:notes"/>
           <p:cNvSpPr/>
           <p:nvPr>
             <p:ph idx="2" type="sldImg"/>
@@ -3158,7 +3158,7 @@
       </p:sp>
       <p:sp>
         <p:nvSpPr>
-          <p:cNvPr id="254" name="Google Shape;254;p27:notes"/>
+          <p:cNvPr id="253" name="Google Shape;253;p27:notes"/>
           <p:cNvSpPr txBox="1"/>
           <p:nvPr>
             <p:ph idx="1" type="body"/>
@@ -15830,7 +15830,7 @@
             </a:pPr>
             <a:r>
               <a:rPr lang="zh-TW"/>
-              <a:t>Grading Criteria – Programming Report (6%)</a:t>
+              <a:t>Grading Criteria – Programming Report (2%)</a:t>
             </a:r>
             <a:endParaRPr/>
           </a:p>
@@ -16599,15 +16599,9 @@
             <a:r>
               <a:rPr lang="zh-TW" sz="2000" u="sng">
                 <a:solidFill>
-                  <a:schemeClr val="accent5"/>
-                </a:solidFill>
-                <a:hlinkClick r:id="rId3">
-                  <a:extLst>
-                    <a:ext uri="{A12FA001-AC4F-418D-AE19-62706E023703}">
-                      <ahyp:hlinkClr val="tx"/>
-                    </a:ext>
-                  </a:extLst>
-                </a:hlinkClick>
+                  <a:schemeClr val="hlink"/>
+                </a:solidFill>
+                <a:hlinkClick r:id="rId3"/>
               </a:rPr>
               <a:t>Math problems</a:t>
             </a:r>
@@ -16883,36 +16877,8 @@
                 <a:solidFill>
                   <a:srgbClr val="555555"/>
                 </a:solidFill>
-                <a:latin typeface="Microsoft JhengHei"/>
-                <a:ea typeface="Microsoft JhengHei"/>
-                <a:cs typeface="Microsoft JhengHei"/>
-                <a:sym typeface="Microsoft JhengHei"/>
               </a:rPr>
-              <a:t>一個 zip 檔案，</a:t>
-            </a:r>
-            <a:r>
-              <a:rPr lang="zh-TW" sz="1700">
-                <a:solidFill>
-                  <a:srgbClr val="555555"/>
-                </a:solidFill>
-              </a:rPr>
-              <a:t>檔案名稱為 </a:t>
-            </a:r>
-            <a:r>
-              <a:rPr b="1" lang="zh-TW" sz="1700">
-                <a:solidFill>
-                  <a:srgbClr val="FF0000"/>
-                </a:solidFill>
-              </a:rPr>
-              <a:t>學號_hw1.zip</a:t>
-            </a:r>
-            <a:r>
-              <a:rPr lang="zh-TW" sz="1700">
-                <a:solidFill>
-                  <a:srgbClr val="555555"/>
-                </a:solidFill>
-              </a:rPr>
-              <a:t>，需包含</a:t>
+              <a:t>數學題</a:t>
             </a:r>
             <a:endParaRPr sz="1700">
               <a:solidFill>
@@ -16921,7 +16887,7 @@
             </a:endParaRPr>
           </a:p>
           <a:p>
-            <a:pPr indent="-336550" lvl="1" marL="914400" rtl="0" algn="l">
+            <a:pPr indent="-336550" lvl="0" marL="457200" rtl="0" algn="l">
               <a:lnSpc>
                 <a:spcPct val="150000"/>
               </a:lnSpc>
@@ -16935,8 +16901,7 @@
                 <a:srgbClr val="555555"/>
               </a:buClr>
               <a:buSzPts val="1700"/>
-              <a:buFont typeface="Microsoft JhengHei"/>
-              <a:buChar char="○"/>
+              <a:buChar char="●"/>
             </a:pPr>
             <a:r>
               <a:rPr lang="zh-TW" sz="1700">
@@ -16944,7 +16909,7 @@
                   <a:srgbClr val="555555"/>
                 </a:solidFill>
               </a:rPr>
-              <a:t>程式碼（任意名稱.</a:t>
+              <a:t>程式碼（.</a:t>
             </a:r>
             <a:r>
               <a:rPr lang="zh-TW" sz="1700">
@@ -16960,7 +16925,7 @@
                   <a:srgbClr val="555555"/>
                 </a:solidFill>
               </a:rPr>
-              <a:t>）</a:t>
+              <a:t>檔）</a:t>
             </a:r>
             <a:endParaRPr sz="1700">
               <a:solidFill>
@@ -16969,7 +16934,7 @@
             </a:endParaRPr>
           </a:p>
           <a:p>
-            <a:pPr indent="-336550" lvl="1" marL="914400" rtl="0" algn="l">
+            <a:pPr indent="-336550" lvl="0" marL="457200" rtl="0" algn="l">
               <a:lnSpc>
                 <a:spcPct val="150000"/>
               </a:lnSpc>
@@ -16983,8 +16948,7 @@
                 <a:srgbClr val="555555"/>
               </a:buClr>
               <a:buSzPts val="1700"/>
-              <a:buFont typeface="Microsoft JhengHei"/>
-              <a:buChar char="○"/>
+              <a:buChar char="●"/>
             </a:pPr>
             <a:r>
               <a:rPr lang="zh-TW" sz="1700">
@@ -16992,32 +16956,12 @@
                   <a:srgbClr val="555555"/>
                 </a:solidFill>
               </a:rPr>
-              <a:t>程式報告＋數學題（</a:t>
-            </a:r>
-            <a:r>
-              <a:rPr lang="zh-TW" sz="1700">
-                <a:solidFill>
-                  <a:srgbClr val="FF0000"/>
-                </a:solidFill>
-              </a:rPr>
-              <a:t>report.pdf</a:t>
-            </a:r>
-            <a:r>
-              <a:rPr lang="zh-TW" sz="1700">
-                <a:solidFill>
-                  <a:srgbClr val="555555"/>
-                </a:solidFill>
-              </a:rPr>
-              <a:t>）</a:t>
+              <a:t>程式報告</a:t>
             </a:r>
             <a:endParaRPr sz="1700">
               <a:solidFill>
                 <a:srgbClr val="555555"/>
               </a:solidFill>
-              <a:latin typeface="Microsoft JhengHei"/>
-              <a:ea typeface="Microsoft JhengHei"/>
-              <a:cs typeface="Microsoft JhengHei"/>
-              <a:sym typeface="Microsoft JhengHei"/>
             </a:endParaRPr>
           </a:p>
           <a:p>
@@ -17035,39 +16979,41 @@
               <a:buNone/>
             </a:pPr>
             <a:r>
-              <a:t/>
+              <a:rPr lang="zh-TW" sz="1700">
+                <a:solidFill>
+                  <a:srgbClr val="FF0000"/>
+                </a:solidFill>
+              </a:rPr>
+              <a:t>分開</a:t>
+            </a:r>
+            <a:r>
+              <a:rPr lang="zh-TW" sz="1700">
+                <a:solidFill>
+                  <a:srgbClr val="555555"/>
+                </a:solidFill>
+              </a:rPr>
+              <a:t>繳交至</a:t>
+            </a:r>
+            <a:r>
+              <a:rPr lang="zh-TW" sz="1700">
+                <a:solidFill>
+                  <a:srgbClr val="FF0000"/>
+                </a:solidFill>
+              </a:rPr>
+              <a:t>NTU COOL</a:t>
+            </a:r>
+            <a:r>
+              <a:rPr lang="zh-TW" sz="1700">
+                <a:solidFill>
+                  <a:srgbClr val="555555"/>
+                </a:solidFill>
+              </a:rPr>
+              <a:t>作業區！！</a:t>
             </a:r>
             <a:endParaRPr/>
           </a:p>
         </p:txBody>
       </p:sp>
-      <p:pic>
-        <p:nvPicPr>
-          <p:cNvPr id="219" name="Google Shape;219;p21"/>
-          <p:cNvPicPr preferRelativeResize="0"/>
-          <p:nvPr/>
-        </p:nvPicPr>
-        <p:blipFill rotWithShape="1">
-          <a:blip r:embed="rId3">
-            <a:alphaModFix/>
-          </a:blip>
-          <a:srcRect b="0" l="0" r="0" t="0"/>
-          <a:stretch/>
-        </p:blipFill>
-        <p:spPr>
-          <a:xfrm>
-            <a:off x="2479325" y="3124925"/>
-            <a:ext cx="4362450" cy="3238500"/>
-          </a:xfrm>
-          <a:prstGeom prst="rect">
-            <a:avLst/>
-          </a:prstGeom>
-          <a:noFill/>
-          <a:ln>
-            <a:noFill/>
-          </a:ln>
-        </p:spPr>
-      </p:pic>
     </p:spTree>
   </p:cSld>
   <p:clrMapOvr>
@@ -17081,7 +17027,7 @@
   <p:cSld>
     <p:spTree>
       <p:nvGrpSpPr>
-        <p:cNvPr id="223" name="Shape 223"/>
+        <p:cNvPr id="222" name="Shape 222"/>
         <p:cNvGrpSpPr/>
         <p:nvPr/>
       </p:nvGrpSpPr>
@@ -17095,7 +17041,7 @@
       </p:grpSpPr>
       <p:sp>
         <p:nvSpPr>
-          <p:cNvPr id="224" name="Google Shape;224;p22"/>
+          <p:cNvPr id="223" name="Google Shape;223;p22"/>
           <p:cNvSpPr txBox="1"/>
           <p:nvPr>
             <p:ph type="title"/>
@@ -17143,7 +17089,7 @@
       </p:sp>
       <p:sp>
         <p:nvSpPr>
-          <p:cNvPr id="225" name="Google Shape;225;p22"/>
+          <p:cNvPr id="224" name="Google Shape;224;p22"/>
           <p:cNvSpPr txBox="1"/>
           <p:nvPr>
             <p:ph idx="1" type="body"/>
@@ -17197,46 +17143,6 @@
               </a:rPr>
               <a:t>限制</a:t>
             </a:r>
-            <a:endParaRPr sz="1800">
-              <a:solidFill>
-                <a:srgbClr val="000000"/>
-              </a:solidFill>
-              <a:latin typeface="Microsoft JhengHei"/>
-              <a:ea typeface="Microsoft JhengHei"/>
-              <a:cs typeface="Microsoft JhengHei"/>
-              <a:sym typeface="Microsoft JhengHei"/>
-            </a:endParaRPr>
-          </a:p>
-          <a:p>
-            <a:pPr indent="-330200" lvl="1" marL="914400" marR="0" rtl="0" algn="l">
-              <a:lnSpc>
-                <a:spcPct val="150000"/>
-              </a:lnSpc>
-              <a:spcBef>
-                <a:spcPts val="0"/>
-              </a:spcBef>
-              <a:spcAft>
-                <a:spcPts val="0"/>
-              </a:spcAft>
-              <a:buClr>
-                <a:srgbClr val="FF0000"/>
-              </a:buClr>
-              <a:buSzPts val="1600"/>
-              <a:buFont typeface="Microsoft JhengHei"/>
-              <a:buChar char="○"/>
-            </a:pPr>
-            <a:r>
-              <a:rPr lang="zh-TW" sz="1600">
-                <a:solidFill>
-                  <a:srgbClr val="FF0000"/>
-                </a:solidFill>
-                <a:latin typeface="Microsoft JhengHei"/>
-                <a:ea typeface="Microsoft JhengHei"/>
-                <a:cs typeface="Microsoft JhengHei"/>
-                <a:sym typeface="Microsoft JhengHei"/>
-              </a:rPr>
-              <a:t>檔名必須為 report.pdf </a:t>
-            </a:r>
             <a:endParaRPr sz="1600">
               <a:solidFill>
                 <a:srgbClr val="000000"/>
@@ -17548,7 +17454,7 @@
   <p:cSld>
     <p:spTree>
       <p:nvGrpSpPr>
-        <p:cNvPr id="229" name="Shape 229"/>
+        <p:cNvPr id="228" name="Shape 228"/>
         <p:cNvGrpSpPr/>
         <p:nvPr/>
       </p:nvGrpSpPr>
@@ -17562,7 +17468,7 @@
       </p:grpSpPr>
       <p:sp>
         <p:nvSpPr>
-          <p:cNvPr id="230" name="Google Shape;230;p23"/>
+          <p:cNvPr id="229" name="Google Shape;229;p23"/>
           <p:cNvSpPr txBox="1"/>
           <p:nvPr>
             <p:ph type="title"/>
@@ -17610,7 +17516,7 @@
       </p:sp>
       <p:pic>
         <p:nvPicPr>
-          <p:cNvPr id="231" name="Google Shape;231;p23"/>
+          <p:cNvPr id="230" name="Google Shape;230;p23"/>
           <p:cNvPicPr preferRelativeResize="0"/>
           <p:nvPr/>
         </p:nvPicPr>
@@ -17637,7 +17543,7 @@
       </p:pic>
       <p:pic>
         <p:nvPicPr>
-          <p:cNvPr id="232" name="Google Shape;232;p23"/>
+          <p:cNvPr id="231" name="Google Shape;231;p23"/>
           <p:cNvPicPr preferRelativeResize="0"/>
           <p:nvPr/>
         </p:nvPicPr>
@@ -17675,7 +17581,7 @@
   <p:cSld>
     <p:spTree>
       <p:nvGrpSpPr>
-        <p:cNvPr id="236" name="Shape 236"/>
+        <p:cNvPr id="235" name="Shape 235"/>
         <p:cNvGrpSpPr/>
         <p:nvPr/>
       </p:nvGrpSpPr>
@@ -17689,7 +17595,7 @@
       </p:grpSpPr>
       <p:sp>
         <p:nvSpPr>
-          <p:cNvPr id="237" name="Google Shape;237;p24"/>
+          <p:cNvPr id="236" name="Google Shape;236;p24"/>
           <p:cNvSpPr txBox="1"/>
           <p:nvPr>
             <p:ph type="title"/>
@@ -17741,7 +17647,7 @@
       </p:sp>
       <p:sp>
         <p:nvSpPr>
-          <p:cNvPr id="238" name="Google Shape;238;p24"/>
+          <p:cNvPr id="237" name="Google Shape;237;p24"/>
           <p:cNvSpPr txBox="1"/>
           <p:nvPr>
             <p:ph idx="1" type="body"/>
@@ -18059,7 +17965,7 @@
   <p:cSld>
     <p:spTree>
       <p:nvGrpSpPr>
-        <p:cNvPr id="242" name="Shape 242"/>
+        <p:cNvPr id="241" name="Shape 241"/>
         <p:cNvGrpSpPr/>
         <p:nvPr/>
       </p:nvGrpSpPr>
@@ -18073,7 +17979,7 @@
       </p:grpSpPr>
       <p:sp>
         <p:nvSpPr>
-          <p:cNvPr id="243" name="Google Shape;243;p25"/>
+          <p:cNvPr id="242" name="Google Shape;242;p25"/>
           <p:cNvSpPr txBox="1"/>
           <p:nvPr>
             <p:ph type="title"/>
@@ -18125,7 +18031,7 @@
       </p:sp>
       <p:sp>
         <p:nvSpPr>
-          <p:cNvPr id="244" name="Google Shape;244;p25"/>
+          <p:cNvPr id="243" name="Google Shape;243;p25"/>
           <p:cNvSpPr txBox="1"/>
           <p:nvPr>
             <p:ph idx="1" type="body"/>
@@ -18427,7 +18333,7 @@
       </p:sp>
       <p:pic>
         <p:nvPicPr>
-          <p:cNvPr id="245" name="Google Shape;245;p25"/>
+          <p:cNvPr id="244" name="Google Shape;244;p25"/>
           <p:cNvPicPr preferRelativeResize="0"/>
           <p:nvPr/>
         </p:nvPicPr>
@@ -18465,7 +18371,7 @@
   <p:cSld>
     <p:spTree>
       <p:nvGrpSpPr>
-        <p:cNvPr id="249" name="Shape 249"/>
+        <p:cNvPr id="248" name="Shape 248"/>
         <p:cNvGrpSpPr/>
         <p:nvPr/>
       </p:nvGrpSpPr>
@@ -18479,7 +18385,7 @@
       </p:grpSpPr>
       <p:sp>
         <p:nvSpPr>
-          <p:cNvPr id="250" name="Google Shape;250;p26"/>
+          <p:cNvPr id="249" name="Google Shape;249;p26"/>
           <p:cNvSpPr txBox="1"/>
           <p:nvPr>
             <p:ph type="title"/>
@@ -18527,7 +18433,7 @@
       </p:sp>
       <p:sp>
         <p:nvSpPr>
-          <p:cNvPr id="251" name="Google Shape;251;p26"/>
+          <p:cNvPr id="250" name="Google Shape;250;p26"/>
           <p:cNvSpPr txBox="1"/>
           <p:nvPr>
             <p:ph idx="1" type="body"/>
@@ -18605,7 +18511,7 @@
   <p:cSld>
     <p:spTree>
       <p:nvGrpSpPr>
-        <p:cNvPr id="255" name="Shape 255"/>
+        <p:cNvPr id="254" name="Shape 254"/>
         <p:cNvGrpSpPr/>
         <p:nvPr/>
       </p:nvGrpSpPr>
@@ -18619,7 +18525,7 @@
       </p:grpSpPr>
       <p:sp>
         <p:nvSpPr>
-          <p:cNvPr id="256" name="Google Shape;256;p27"/>
+          <p:cNvPr id="255" name="Google Shape;255;p27"/>
           <p:cNvSpPr txBox="1"/>
           <p:nvPr>
             <p:ph type="title"/>
@@ -18667,7 +18573,7 @@
       </p:sp>
       <p:sp>
         <p:nvSpPr>
-          <p:cNvPr id="257" name="Google Shape;257;p27"/>
+          <p:cNvPr id="256" name="Google Shape;256;p27"/>
           <p:cNvSpPr txBox="1"/>
           <p:nvPr>
             <p:ph idx="1" type="body"/>

--- a/homeworks/hw1/ml-2024fall-hw1-slide.pptx
+++ b/homeworks/hw1/ml-2024fall-hw1-slide.pptx
@@ -17010,6 +17010,22 @@
               </a:rPr>
               <a:t>作業區！！</a:t>
             </a:r>
+            <a:r>
+              <a:rPr lang="zh-TW" sz="1700">
+                <a:solidFill>
+                  <a:srgbClr val="FF0000"/>
+                </a:solidFill>
+              </a:rPr>
+              <a:t>檔名不限</a:t>
+            </a:r>
+            <a:r>
+              <a:rPr lang="zh-TW" sz="1700">
+                <a:solidFill>
+                  <a:srgbClr val="555555"/>
+                </a:solidFill>
+              </a:rPr>
+              <a:t>！</a:t>
+            </a:r>
             <a:endParaRPr/>
           </a:p>
         </p:txBody>
@@ -22855,6 +22871,285 @@
 </file>
 
 <file path=ppt/theme/theme1.xml><?xml version="1.0" encoding="utf-8"?>
+<a:theme xmlns:a="http://schemas.openxmlformats.org/drawingml/2006/main" xmlns:r="http://schemas.openxmlformats.org/officeDocument/2006/relationships">
+  <a:themeElements>
+    <a:clrScheme name="Default">
+      <a:dk1>
+        <a:srgbClr val="000000"/>
+      </a:dk1>
+      <a:lt1>
+        <a:srgbClr val="FFFFFF"/>
+      </a:lt1>
+      <a:dk2>
+        <a:srgbClr val="158158"/>
+      </a:dk2>
+      <a:lt2>
+        <a:srgbClr val="F3F3F3"/>
+      </a:lt2>
+      <a:accent1>
+        <a:srgbClr val="058DC7"/>
+      </a:accent1>
+      <a:accent2>
+        <a:srgbClr val="50B432"/>
+      </a:accent2>
+      <a:accent3>
+        <a:srgbClr val="ED561B"/>
+      </a:accent3>
+      <a:accent4>
+        <a:srgbClr val="EDEF00"/>
+      </a:accent4>
+      <a:accent5>
+        <a:srgbClr val="24CBE5"/>
+      </a:accent5>
+      <a:accent6>
+        <a:srgbClr val="64E572"/>
+      </a:accent6>
+      <a:hlink>
+        <a:srgbClr val="2200CC"/>
+      </a:hlink>
+      <a:folHlink>
+        <a:srgbClr val="551A8B"/>
+      </a:folHlink>
+    </a:clrScheme>
+    <a:fontScheme name="Office">
+      <a:majorFont>
+        <a:latin typeface="Arial"/>
+        <a:ea typeface=""/>
+        <a:cs typeface=""/>
+        <a:font script="Jpan" typeface="ＭＳ Ｐゴシック"/>
+        <a:font script="Hang" typeface="맑은 고딕"/>
+        <a:font script="Hans" typeface="宋体"/>
+        <a:font script="Hant" typeface="新細明體"/>
+        <a:font script="Arab" typeface="Times New Roman"/>
+        <a:font script="Hebr" typeface="Times New Roman"/>
+        <a:font script="Thai" typeface="Angsana New"/>
+        <a:font script="Ethi" typeface="Nyala"/>
+        <a:font script="Beng" typeface="Vrinda"/>
+        <a:font script="Gujr" typeface="Shruti"/>
+        <a:font script="Khmr" typeface="MoolBoran"/>
+        <a:font script="Knda" typeface="Tunga"/>
+        <a:font script="Guru" typeface="Raavi"/>
+        <a:font script="Cans" typeface="Euphemia"/>
+        <a:font script="Cher" typeface="Plantagenet Cherokee"/>
+        <a:font script="Yiii" typeface="Microsoft Yi Baiti"/>
+        <a:font script="Tibt" typeface="Microsoft Himalaya"/>
+        <a:font script="Thaa" typeface="MV Boli"/>
+        <a:font script="Deva" typeface="Mangal"/>
+        <a:font script="Telu" typeface="Gautami"/>
+        <a:font script="Taml" typeface="Latha"/>
+        <a:font script="Syrc" typeface="Estrangelo Edessa"/>
+        <a:font script="Orya" typeface="Kalinga"/>
+        <a:font script="Mlym" typeface="Kartika"/>
+        <a:font script="Laoo" typeface="DokChampa"/>
+        <a:font script="Sinh" typeface="Iskoola Pota"/>
+        <a:font script="Mong" typeface="Mongolian Baiti"/>
+        <a:font script="Viet" typeface="Times New Roman"/>
+        <a:font script="Uigh" typeface="Microsoft Uighur"/>
+        <a:font script="Geor" typeface="Sylfaen"/>
+      </a:majorFont>
+      <a:minorFont>
+        <a:latin typeface="Arial"/>
+        <a:ea typeface=""/>
+        <a:cs typeface=""/>
+        <a:font script="Jpan" typeface="ＭＳ Ｐゴシック"/>
+        <a:font script="Hang" typeface="맑은 고딕"/>
+        <a:font script="Hans" typeface="宋体"/>
+        <a:font script="Hant" typeface="新細明體"/>
+        <a:font script="Arab" typeface="Arial"/>
+        <a:font script="Hebr" typeface="Arial"/>
+        <a:font script="Thai" typeface="Cordia New"/>
+        <a:font script="Ethi" typeface="Nyala"/>
+        <a:font script="Beng" typeface="Vrinda"/>
+        <a:font script="Gujr" typeface="Shruti"/>
+        <a:font script="Khmr" typeface="DaunPenh"/>
+        <a:font script="Knda" typeface="Tunga"/>
+        <a:font script="Guru" typeface="Raavi"/>
+        <a:font script="Cans" typeface="Euphemia"/>
+        <a:font script="Cher" typeface="Plantagenet Cherokee"/>
+        <a:font script="Yiii" typeface="Microsoft Yi Baiti"/>
+        <a:font script="Tibt" typeface="Microsoft Himalaya"/>
+        <a:font script="Thaa" typeface="MV Boli"/>
+        <a:font script="Deva" typeface="Mangal"/>
+        <a:font script="Telu" typeface="Gautami"/>
+        <a:font script="Taml" typeface="Latha"/>
+        <a:font script="Syrc" typeface="Estrangelo Edessa"/>
+        <a:font script="Orya" typeface="Kalinga"/>
+        <a:font script="Mlym" typeface="Kartika"/>
+        <a:font script="Laoo" typeface="DokChampa"/>
+        <a:font script="Sinh" typeface="Iskoola Pota"/>
+        <a:font script="Mong" typeface="Mongolian Baiti"/>
+        <a:font script="Viet" typeface="Arial"/>
+        <a:font script="Uigh" typeface="Microsoft Uighur"/>
+        <a:font script="Geor" typeface="Sylfaen"/>
+      </a:minorFont>
+    </a:fontScheme>
+    <a:fmtScheme name="Office">
+      <a:fillStyleLst>
+        <a:solidFill>
+          <a:schemeClr val="phClr"/>
+        </a:solidFill>
+        <a:gradFill rotWithShape="1">
+          <a:gsLst>
+            <a:gs pos="0">
+              <a:schemeClr val="phClr">
+                <a:tint val="50000"/>
+                <a:satMod val="300000"/>
+              </a:schemeClr>
+            </a:gs>
+            <a:gs pos="35000">
+              <a:schemeClr val="phClr">
+                <a:tint val="37000"/>
+                <a:satMod val="300000"/>
+              </a:schemeClr>
+            </a:gs>
+            <a:gs pos="100000">
+              <a:schemeClr val="phClr">
+                <a:tint val="15000"/>
+                <a:satMod val="350000"/>
+              </a:schemeClr>
+            </a:gs>
+          </a:gsLst>
+          <a:lin ang="16200000" scaled="1"/>
+        </a:gradFill>
+        <a:gradFill rotWithShape="1">
+          <a:gsLst>
+            <a:gs pos="0">
+              <a:schemeClr val="phClr">
+                <a:tint val="100000"/>
+                <a:shade val="100000"/>
+                <a:satMod val="130000"/>
+              </a:schemeClr>
+            </a:gs>
+            <a:gs pos="100000">
+              <a:schemeClr val="phClr">
+                <a:tint val="50000"/>
+                <a:shade val="100000"/>
+                <a:satMod val="350000"/>
+              </a:schemeClr>
+            </a:gs>
+          </a:gsLst>
+          <a:lin ang="16200000" scaled="0"/>
+        </a:gradFill>
+      </a:fillStyleLst>
+      <a:lnStyleLst>
+        <a:ln w="9525" cap="flat" cmpd="sng" algn="ctr">
+          <a:solidFill>
+            <a:schemeClr val="phClr">
+              <a:shade val="95000"/>
+              <a:satMod val="105000"/>
+            </a:schemeClr>
+          </a:solidFill>
+          <a:prstDash val="solid"/>
+        </a:ln>
+        <a:ln w="25400" cap="flat" cmpd="sng" algn="ctr">
+          <a:solidFill>
+            <a:schemeClr val="phClr"/>
+          </a:solidFill>
+          <a:prstDash val="solid"/>
+        </a:ln>
+        <a:ln w="38100" cap="flat" cmpd="sng" algn="ctr">
+          <a:solidFill>
+            <a:schemeClr val="phClr"/>
+          </a:solidFill>
+          <a:prstDash val="solid"/>
+        </a:ln>
+      </a:lnStyleLst>
+      <a:effectStyleLst>
+        <a:effectStyle>
+          <a:effectLst>
+            <a:outerShdw blurRad="40000" dist="20000" dir="5400000" rotWithShape="0">
+              <a:srgbClr val="000000">
+                <a:alpha val="38000"/>
+              </a:srgbClr>
+            </a:outerShdw>
+          </a:effectLst>
+        </a:effectStyle>
+        <a:effectStyle>
+          <a:effectLst>
+            <a:outerShdw blurRad="40000" dist="23000" dir="5400000" rotWithShape="0">
+              <a:srgbClr val="000000">
+                <a:alpha val="35000"/>
+              </a:srgbClr>
+            </a:outerShdw>
+          </a:effectLst>
+        </a:effectStyle>
+        <a:effectStyle>
+          <a:effectLst>
+            <a:outerShdw blurRad="40000" dist="23000" dir="5400000" rotWithShape="0">
+              <a:srgbClr val="000000">
+                <a:alpha val="35000"/>
+              </a:srgbClr>
+            </a:outerShdw>
+          </a:effectLst>
+          <a:scene3d>
+            <a:camera prst="orthographicFront">
+              <a:rot lat="0" lon="0" rev="0"/>
+            </a:camera>
+            <a:lightRig rig="threePt" dir="t">
+              <a:rot lat="0" lon="0" rev="1200000"/>
+            </a:lightRig>
+          </a:scene3d>
+          <a:sp3d>
+            <a:bevelT w="63500" h="25400"/>
+          </a:sp3d>
+        </a:effectStyle>
+      </a:effectStyleLst>
+      <a:bgFillStyleLst>
+        <a:solidFill>
+          <a:schemeClr val="phClr"/>
+        </a:solidFill>
+        <a:gradFill rotWithShape="1">
+          <a:gsLst>
+            <a:gs pos="0">
+              <a:schemeClr val="phClr">
+                <a:tint val="40000"/>
+                <a:satMod val="350000"/>
+              </a:schemeClr>
+            </a:gs>
+            <a:gs pos="40000">
+              <a:schemeClr val="phClr">
+                <a:tint val="45000"/>
+                <a:shade val="99000"/>
+                <a:satMod val="350000"/>
+              </a:schemeClr>
+            </a:gs>
+            <a:gs pos="100000">
+              <a:schemeClr val="phClr">
+                <a:shade val="20000"/>
+                <a:satMod val="255000"/>
+              </a:schemeClr>
+            </a:gs>
+          </a:gsLst>
+          <a:path path="circle">
+            <a:fillToRect l="50000" t="-80000" r="50000" b="180000"/>
+          </a:path>
+        </a:gradFill>
+        <a:gradFill rotWithShape="1">
+          <a:gsLst>
+            <a:gs pos="0">
+              <a:schemeClr val="phClr">
+                <a:tint val="80000"/>
+                <a:satMod val="300000"/>
+              </a:schemeClr>
+            </a:gs>
+            <a:gs pos="100000">
+              <a:schemeClr val="phClr">
+                <a:shade val="30000"/>
+                <a:satMod val="200000"/>
+              </a:schemeClr>
+            </a:gs>
+          </a:gsLst>
+          <a:path path="circle">
+            <a:fillToRect l="50000" t="50000" r="50000" b="50000"/>
+          </a:path>
+        </a:gradFill>
+      </a:bgFillStyleLst>
+    </a:fmtScheme>
+  </a:themeElements>
+</a:theme>
+</file>
+
+<file path=ppt/theme/theme2.xml><?xml version="1.0" encoding="utf-8"?>
 <a:theme xmlns:a="http://schemas.openxmlformats.org/drawingml/2006/main" xmlns:r="http://schemas.openxmlformats.org/officeDocument/2006/relationships" name="Tropic">
   <a:themeElements>
     <a:clrScheme name="Tropic">
@@ -23131,283 +23426,4 @@
     </a:fmtScheme>
   </a:themeElements>
 </a:theme>
-</file>
-
-<file path=ppt/theme/theme2.xml><?xml version="1.0" encoding="utf-8"?>
-<a:theme xmlns:a="http://schemas.openxmlformats.org/drawingml/2006/main" xmlns:r="http://schemas.openxmlformats.org/officeDocument/2006/relationships">
-  <a:themeElements>
-    <a:clrScheme name="Default">
-      <a:dk1>
-        <a:srgbClr val="000000"/>
-      </a:dk1>
-      <a:lt1>
-        <a:srgbClr val="FFFFFF"/>
-      </a:lt1>
-      <a:dk2>
-        <a:srgbClr val="158158"/>
-      </a:dk2>
-      <a:lt2>
-        <a:srgbClr val="F3F3F3"/>
-      </a:lt2>
-      <a:accent1>
-        <a:srgbClr val="058DC7"/>
-      </a:accent1>
-      <a:accent2>
-        <a:srgbClr val="50B432"/>
-      </a:accent2>
-      <a:accent3>
-        <a:srgbClr val="ED561B"/>
-      </a:accent3>
-      <a:accent4>
-        <a:srgbClr val="EDEF00"/>
-      </a:accent4>
-      <a:accent5>
-        <a:srgbClr val="24CBE5"/>
-      </a:accent5>
-      <a:accent6>
-        <a:srgbClr val="64E572"/>
-      </a:accent6>
-      <a:hlink>
-        <a:srgbClr val="2200CC"/>
-      </a:hlink>
-      <a:folHlink>
-        <a:srgbClr val="551A8B"/>
-      </a:folHlink>
-    </a:clrScheme>
-    <a:fontScheme name="Office">
-      <a:majorFont>
-        <a:latin typeface="Arial"/>
-        <a:ea typeface=""/>
-        <a:cs typeface=""/>
-        <a:font script="Jpan" typeface="ＭＳ Ｐゴシック"/>
-        <a:font script="Hang" typeface="맑은 고딕"/>
-        <a:font script="Hans" typeface="宋体"/>
-        <a:font script="Hant" typeface="新細明體"/>
-        <a:font script="Arab" typeface="Times New Roman"/>
-        <a:font script="Hebr" typeface="Times New Roman"/>
-        <a:font script="Thai" typeface="Angsana New"/>
-        <a:font script="Ethi" typeface="Nyala"/>
-        <a:font script="Beng" typeface="Vrinda"/>
-        <a:font script="Gujr" typeface="Shruti"/>
-        <a:font script="Khmr" typeface="MoolBoran"/>
-        <a:font script="Knda" typeface="Tunga"/>
-        <a:font script="Guru" typeface="Raavi"/>
-        <a:font script="Cans" typeface="Euphemia"/>
-        <a:font script="Cher" typeface="Plantagenet Cherokee"/>
-        <a:font script="Yiii" typeface="Microsoft Yi Baiti"/>
-        <a:font script="Tibt" typeface="Microsoft Himalaya"/>
-        <a:font script="Thaa" typeface="MV Boli"/>
-        <a:font script="Deva" typeface="Mangal"/>
-        <a:font script="Telu" typeface="Gautami"/>
-        <a:font script="Taml" typeface="Latha"/>
-        <a:font script="Syrc" typeface="Estrangelo Edessa"/>
-        <a:font script="Orya" typeface="Kalinga"/>
-        <a:font script="Mlym" typeface="Kartika"/>
-        <a:font script="Laoo" typeface="DokChampa"/>
-        <a:font script="Sinh" typeface="Iskoola Pota"/>
-        <a:font script="Mong" typeface="Mongolian Baiti"/>
-        <a:font script="Viet" typeface="Times New Roman"/>
-        <a:font script="Uigh" typeface="Microsoft Uighur"/>
-        <a:font script="Geor" typeface="Sylfaen"/>
-      </a:majorFont>
-      <a:minorFont>
-        <a:latin typeface="Arial"/>
-        <a:ea typeface=""/>
-        <a:cs typeface=""/>
-        <a:font script="Jpan" typeface="ＭＳ Ｐゴシック"/>
-        <a:font script="Hang" typeface="맑은 고딕"/>
-        <a:font script="Hans" typeface="宋体"/>
-        <a:font script="Hant" typeface="新細明體"/>
-        <a:font script="Arab" typeface="Arial"/>
-        <a:font script="Hebr" typeface="Arial"/>
-        <a:font script="Thai" typeface="Cordia New"/>
-        <a:font script="Ethi" typeface="Nyala"/>
-        <a:font script="Beng" typeface="Vrinda"/>
-        <a:font script="Gujr" typeface="Shruti"/>
-        <a:font script="Khmr" typeface="DaunPenh"/>
-        <a:font script="Knda" typeface="Tunga"/>
-        <a:font script="Guru" typeface="Raavi"/>
-        <a:font script="Cans" typeface="Euphemia"/>
-        <a:font script="Cher" typeface="Plantagenet Cherokee"/>
-        <a:font script="Yiii" typeface="Microsoft Yi Baiti"/>
-        <a:font script="Tibt" typeface="Microsoft Himalaya"/>
-        <a:font script="Thaa" typeface="MV Boli"/>
-        <a:font script="Deva" typeface="Mangal"/>
-        <a:font script="Telu" typeface="Gautami"/>
-        <a:font script="Taml" typeface="Latha"/>
-        <a:font script="Syrc" typeface="Estrangelo Edessa"/>
-        <a:font script="Orya" typeface="Kalinga"/>
-        <a:font script="Mlym" typeface="Kartika"/>
-        <a:font script="Laoo" typeface="DokChampa"/>
-        <a:font script="Sinh" typeface="Iskoola Pota"/>
-        <a:font script="Mong" typeface="Mongolian Baiti"/>
-        <a:font script="Viet" typeface="Arial"/>
-        <a:font script="Uigh" typeface="Microsoft Uighur"/>
-        <a:font script="Geor" typeface="Sylfaen"/>
-      </a:minorFont>
-    </a:fontScheme>
-    <a:fmtScheme name="Office">
-      <a:fillStyleLst>
-        <a:solidFill>
-          <a:schemeClr val="phClr"/>
-        </a:solidFill>
-        <a:gradFill rotWithShape="1">
-          <a:gsLst>
-            <a:gs pos="0">
-              <a:schemeClr val="phClr">
-                <a:tint val="50000"/>
-                <a:satMod val="300000"/>
-              </a:schemeClr>
-            </a:gs>
-            <a:gs pos="35000">
-              <a:schemeClr val="phClr">
-                <a:tint val="37000"/>
-                <a:satMod val="300000"/>
-              </a:schemeClr>
-            </a:gs>
-            <a:gs pos="100000">
-              <a:schemeClr val="phClr">
-                <a:tint val="15000"/>
-                <a:satMod val="350000"/>
-              </a:schemeClr>
-            </a:gs>
-          </a:gsLst>
-          <a:lin ang="16200000" scaled="1"/>
-        </a:gradFill>
-        <a:gradFill rotWithShape="1">
-          <a:gsLst>
-            <a:gs pos="0">
-              <a:schemeClr val="phClr">
-                <a:tint val="100000"/>
-                <a:shade val="100000"/>
-                <a:satMod val="130000"/>
-              </a:schemeClr>
-            </a:gs>
-            <a:gs pos="100000">
-              <a:schemeClr val="phClr">
-                <a:tint val="50000"/>
-                <a:shade val="100000"/>
-                <a:satMod val="350000"/>
-              </a:schemeClr>
-            </a:gs>
-          </a:gsLst>
-          <a:lin ang="16200000" scaled="0"/>
-        </a:gradFill>
-      </a:fillStyleLst>
-      <a:lnStyleLst>
-        <a:ln w="9525" cap="flat" cmpd="sng" algn="ctr">
-          <a:solidFill>
-            <a:schemeClr val="phClr">
-              <a:shade val="95000"/>
-              <a:satMod val="105000"/>
-            </a:schemeClr>
-          </a:solidFill>
-          <a:prstDash val="solid"/>
-        </a:ln>
-        <a:ln w="25400" cap="flat" cmpd="sng" algn="ctr">
-          <a:solidFill>
-            <a:schemeClr val="phClr"/>
-          </a:solidFill>
-          <a:prstDash val="solid"/>
-        </a:ln>
-        <a:ln w="38100" cap="flat" cmpd="sng" algn="ctr">
-          <a:solidFill>
-            <a:schemeClr val="phClr"/>
-          </a:solidFill>
-          <a:prstDash val="solid"/>
-        </a:ln>
-      </a:lnStyleLst>
-      <a:effectStyleLst>
-        <a:effectStyle>
-          <a:effectLst>
-            <a:outerShdw blurRad="40000" dist="20000" dir="5400000" rotWithShape="0">
-              <a:srgbClr val="000000">
-                <a:alpha val="38000"/>
-              </a:srgbClr>
-            </a:outerShdw>
-          </a:effectLst>
-        </a:effectStyle>
-        <a:effectStyle>
-          <a:effectLst>
-            <a:outerShdw blurRad="40000" dist="23000" dir="5400000" rotWithShape="0">
-              <a:srgbClr val="000000">
-                <a:alpha val="35000"/>
-              </a:srgbClr>
-            </a:outerShdw>
-          </a:effectLst>
-        </a:effectStyle>
-        <a:effectStyle>
-          <a:effectLst>
-            <a:outerShdw blurRad="40000" dist="23000" dir="5400000" rotWithShape="0">
-              <a:srgbClr val="000000">
-                <a:alpha val="35000"/>
-              </a:srgbClr>
-            </a:outerShdw>
-          </a:effectLst>
-          <a:scene3d>
-            <a:camera prst="orthographicFront">
-              <a:rot lat="0" lon="0" rev="0"/>
-            </a:camera>
-            <a:lightRig rig="threePt" dir="t">
-              <a:rot lat="0" lon="0" rev="1200000"/>
-            </a:lightRig>
-          </a:scene3d>
-          <a:sp3d>
-            <a:bevelT w="63500" h="25400"/>
-          </a:sp3d>
-        </a:effectStyle>
-      </a:effectStyleLst>
-      <a:bgFillStyleLst>
-        <a:solidFill>
-          <a:schemeClr val="phClr"/>
-        </a:solidFill>
-        <a:gradFill rotWithShape="1">
-          <a:gsLst>
-            <a:gs pos="0">
-              <a:schemeClr val="phClr">
-                <a:tint val="40000"/>
-                <a:satMod val="350000"/>
-              </a:schemeClr>
-            </a:gs>
-            <a:gs pos="40000">
-              <a:schemeClr val="phClr">
-                <a:tint val="45000"/>
-                <a:shade val="99000"/>
-                <a:satMod val="350000"/>
-              </a:schemeClr>
-            </a:gs>
-            <a:gs pos="100000">
-              <a:schemeClr val="phClr">
-                <a:shade val="20000"/>
-                <a:satMod val="255000"/>
-              </a:schemeClr>
-            </a:gs>
-          </a:gsLst>
-          <a:path path="circle">
-            <a:fillToRect l="50000" t="-80000" r="50000" b="180000"/>
-          </a:path>
-        </a:gradFill>
-        <a:gradFill rotWithShape="1">
-          <a:gsLst>
-            <a:gs pos="0">
-              <a:schemeClr val="phClr">
-                <a:tint val="80000"/>
-                <a:satMod val="300000"/>
-              </a:schemeClr>
-            </a:gs>
-            <a:gs pos="100000">
-              <a:schemeClr val="phClr">
-                <a:shade val="30000"/>
-                <a:satMod val="200000"/>
-              </a:schemeClr>
-            </a:gs>
-          </a:gsLst>
-          <a:path path="circle">
-            <a:fillToRect l="50000" t="50000" r="50000" b="50000"/>
-          </a:path>
-        </a:gradFill>
-      </a:bgFillStyleLst>
-    </a:fmtScheme>
-  </a:themeElements>
-</a:theme>
 </file>